--- a/doc/Block_Diagram.pptx
+++ b/doc/Block_Diagram.pptx
@@ -241,7 +241,7 @@
           <a:p>
             <a:fld id="{D997B5FA-0921-464F-AAE1-844C04324D75}" type="datetimeFigureOut">
               <a:rPr lang="zh-CN" altLang="en-US" smtClean="0"/>
-              <a:t>2020/10/27</a:t>
+              <a:t>2020/10/31</a:t>
             </a:fld>
             <a:endParaRPr lang="zh-CN" altLang="en-US"/>
           </a:p>
@@ -404,7 +404,7 @@
           <a:p>
             <a:fld id="{D997B5FA-0921-464F-AAE1-844C04324D75}" type="datetimeFigureOut">
               <a:rPr lang="zh-CN" altLang="en-US" smtClean="0"/>
-              <a:t>2020/10/27</a:t>
+              <a:t>2020/10/31</a:t>
             </a:fld>
             <a:endParaRPr lang="zh-CN" altLang="en-US"/>
           </a:p>
@@ -577,7 +577,7 @@
           <a:p>
             <a:fld id="{D997B5FA-0921-464F-AAE1-844C04324D75}" type="datetimeFigureOut">
               <a:rPr lang="zh-CN" altLang="en-US" smtClean="0"/>
-              <a:t>2020/10/27</a:t>
+              <a:t>2020/10/31</a:t>
             </a:fld>
             <a:endParaRPr lang="zh-CN" altLang="en-US"/>
           </a:p>
@@ -740,7 +740,7 @@
           <a:p>
             <a:fld id="{D997B5FA-0921-464F-AAE1-844C04324D75}" type="datetimeFigureOut">
               <a:rPr lang="zh-CN" altLang="en-US" smtClean="0"/>
-              <a:t>2020/10/27</a:t>
+              <a:t>2020/10/31</a:t>
             </a:fld>
             <a:endParaRPr lang="zh-CN" altLang="en-US"/>
           </a:p>
@@ -980,7 +980,7 @@
           <a:p>
             <a:fld id="{D997B5FA-0921-464F-AAE1-844C04324D75}" type="datetimeFigureOut">
               <a:rPr lang="zh-CN" altLang="en-US" smtClean="0"/>
-              <a:t>2020/10/27</a:t>
+              <a:t>2020/10/31</a:t>
             </a:fld>
             <a:endParaRPr lang="zh-CN" altLang="en-US"/>
           </a:p>
@@ -1204,7 +1204,7 @@
           <a:p>
             <a:fld id="{D997B5FA-0921-464F-AAE1-844C04324D75}" type="datetimeFigureOut">
               <a:rPr lang="zh-CN" altLang="en-US" smtClean="0"/>
-              <a:t>2020/10/27</a:t>
+              <a:t>2020/10/31</a:t>
             </a:fld>
             <a:endParaRPr lang="zh-CN" altLang="en-US"/>
           </a:p>
@@ -1563,7 +1563,7 @@
           <a:p>
             <a:fld id="{D997B5FA-0921-464F-AAE1-844C04324D75}" type="datetimeFigureOut">
               <a:rPr lang="zh-CN" altLang="en-US" smtClean="0"/>
-              <a:t>2020/10/27</a:t>
+              <a:t>2020/10/31</a:t>
             </a:fld>
             <a:endParaRPr lang="zh-CN" altLang="en-US"/>
           </a:p>
@@ -1675,7 +1675,7 @@
           <a:p>
             <a:fld id="{D997B5FA-0921-464F-AAE1-844C04324D75}" type="datetimeFigureOut">
               <a:rPr lang="zh-CN" altLang="en-US" smtClean="0"/>
-              <a:t>2020/10/27</a:t>
+              <a:t>2020/10/31</a:t>
             </a:fld>
             <a:endParaRPr lang="zh-CN" altLang="en-US"/>
           </a:p>
@@ -1765,7 +1765,7 @@
           <a:p>
             <a:fld id="{D997B5FA-0921-464F-AAE1-844C04324D75}" type="datetimeFigureOut">
               <a:rPr lang="zh-CN" altLang="en-US" smtClean="0"/>
-              <a:t>2020/10/27</a:t>
+              <a:t>2020/10/31</a:t>
             </a:fld>
             <a:endParaRPr lang="zh-CN" altLang="en-US"/>
           </a:p>
@@ -2035,7 +2035,7 @@
           <a:p>
             <a:fld id="{D997B5FA-0921-464F-AAE1-844C04324D75}" type="datetimeFigureOut">
               <a:rPr lang="zh-CN" altLang="en-US" smtClean="0"/>
-              <a:t>2020/10/27</a:t>
+              <a:t>2020/10/31</a:t>
             </a:fld>
             <a:endParaRPr lang="zh-CN" altLang="en-US"/>
           </a:p>
@@ -2282,7 +2282,7 @@
           <a:p>
             <a:fld id="{D997B5FA-0921-464F-AAE1-844C04324D75}" type="datetimeFigureOut">
               <a:rPr lang="zh-CN" altLang="en-US" smtClean="0"/>
-              <a:t>2020/10/27</a:t>
+              <a:t>2020/10/31</a:t>
             </a:fld>
             <a:endParaRPr lang="zh-CN" altLang="en-US"/>
           </a:p>
@@ -2488,7 +2488,7 @@
           <a:p>
             <a:fld id="{D997B5FA-0921-464F-AAE1-844C04324D75}" type="datetimeFigureOut">
               <a:rPr lang="zh-CN" altLang="en-US" smtClean="0"/>
-              <a:t>2020/10/27</a:t>
+              <a:t>2020/10/31</a:t>
             </a:fld>
             <a:endParaRPr lang="zh-CN" altLang="en-US"/>
           </a:p>
@@ -2948,7 +2948,7 @@
             <a:pPr algn="ctr"/>
             <a:r>
               <a:rPr lang="en-US" altLang="zh-CN" dirty="0"/>
-              <a:t>i.MXRT1011-EVK</a:t>
+              <a:t>MIMXRT1010-EVK </a:t>
             </a:r>
             <a:r>
               <a:rPr lang="en-US" altLang="zh-CN" sz="1200" dirty="0"/>
